--- a/clase2/comunicacion.pptx
+++ b/clase2/comunicacion.pptx
@@ -18,6 +18,8 @@
     <p:sldId id="266" r:id="rId12"/>
     <p:sldId id="267" r:id="rId13"/>
     <p:sldId id="268" r:id="rId14"/>
+    <p:sldId id="269" r:id="rId15"/>
+    <p:sldId id="270" r:id="rId16"/>
   </p:sldIdLst>
   <p:sldSz cx="12192000" cy="6858000"/>
   <p:notesSz cx="6858000" cy="9144000"/>
@@ -116,6 +118,11 @@
       </a:defRPr>
     </a:lvl9pPr>
   </p:defaultTextStyle>
+  <p:extLst>
+    <p:ext uri="{EFAFB233-063F-42B5-8137-9DF3F51BA10A}">
+      <p15:sldGuideLst xmlns:p15="http://schemas.microsoft.com/office/powerpoint/2012/main"/>
+    </p:ext>
+  </p:extLst>
 </p:presentation>
 </file>
 
@@ -621,7 +628,7 @@
           <a:p>
             <a:fld id="{4DDA537F-60C1-4DB4-85DD-AF6191129DF3}" type="datetimeFigureOut">
               <a:rPr lang="en-US" smtClean="0"/>
-              <a:t>5/27/2016</a:t>
+              <a:t>5/28/2016</a:t>
             </a:fld>
             <a:endParaRPr lang="en-US"/>
           </a:p>
@@ -917,7 +924,7 @@
           <a:p>
             <a:fld id="{4DDA537F-60C1-4DB4-85DD-AF6191129DF3}" type="datetimeFigureOut">
               <a:rPr lang="en-US" smtClean="0"/>
-              <a:t>5/27/2016</a:t>
+              <a:t>5/28/2016</a:t>
             </a:fld>
             <a:endParaRPr lang="en-US"/>
           </a:p>
@@ -1165,7 +1172,7 @@
           <a:p>
             <a:fld id="{4DDA537F-60C1-4DB4-85DD-AF6191129DF3}" type="datetimeFigureOut">
               <a:rPr lang="en-US" smtClean="0"/>
-              <a:t>5/27/2016</a:t>
+              <a:t>5/28/2016</a:t>
             </a:fld>
             <a:endParaRPr lang="en-US"/>
           </a:p>
@@ -1705,7 +1712,7 @@
           <a:p>
             <a:fld id="{4DDA537F-60C1-4DB4-85DD-AF6191129DF3}" type="datetimeFigureOut">
               <a:rPr lang="en-US" smtClean="0"/>
-              <a:t>5/27/2016</a:t>
+              <a:t>5/28/2016</a:t>
             </a:fld>
             <a:endParaRPr lang="en-US"/>
           </a:p>
@@ -1953,7 +1960,7 @@
           <a:p>
             <a:fld id="{4DDA537F-60C1-4DB4-85DD-AF6191129DF3}" type="datetimeFigureOut">
               <a:rPr lang="en-US" smtClean="0"/>
-              <a:t>5/27/2016</a:t>
+              <a:t>5/28/2016</a:t>
             </a:fld>
             <a:endParaRPr lang="en-US"/>
           </a:p>
@@ -2485,7 +2492,7 @@
           <a:p>
             <a:fld id="{4DDA537F-60C1-4DB4-85DD-AF6191129DF3}" type="datetimeFigureOut">
               <a:rPr lang="en-US" smtClean="0"/>
-              <a:t>5/27/2016</a:t>
+              <a:t>5/28/2016</a:t>
             </a:fld>
             <a:endParaRPr lang="en-US"/>
           </a:p>
@@ -2782,7 +2789,7 @@
           <a:p>
             <a:fld id="{4DDA537F-60C1-4DB4-85DD-AF6191129DF3}" type="datetimeFigureOut">
               <a:rPr lang="en-US" smtClean="0"/>
-              <a:t>5/27/2016</a:t>
+              <a:t>5/28/2016</a:t>
             </a:fld>
             <a:endParaRPr lang="en-US"/>
           </a:p>
@@ -2956,7 +2963,7 @@
           <a:p>
             <a:fld id="{4DDA537F-60C1-4DB4-85DD-AF6191129DF3}" type="datetimeFigureOut">
               <a:rPr lang="en-US" smtClean="0"/>
-              <a:t>5/27/2016</a:t>
+              <a:t>5/28/2016</a:t>
             </a:fld>
             <a:endParaRPr lang="en-US"/>
           </a:p>
@@ -3136,7 +3143,7 @@
           <a:p>
             <a:fld id="{4DDA537F-60C1-4DB4-85DD-AF6191129DF3}" type="datetimeFigureOut">
               <a:rPr lang="en-US" smtClean="0"/>
-              <a:t>5/27/2016</a:t>
+              <a:t>5/28/2016</a:t>
             </a:fld>
             <a:endParaRPr lang="en-US"/>
           </a:p>
@@ -3306,7 +3313,7 @@
           <a:p>
             <a:fld id="{4DDA537F-60C1-4DB4-85DD-AF6191129DF3}" type="datetimeFigureOut">
               <a:rPr lang="en-US" smtClean="0"/>
-              <a:t>5/27/2016</a:t>
+              <a:t>5/28/2016</a:t>
             </a:fld>
             <a:endParaRPr lang="en-US"/>
           </a:p>
@@ -3557,7 +3564,7 @@
           <a:p>
             <a:fld id="{4DDA537F-60C1-4DB4-85DD-AF6191129DF3}" type="datetimeFigureOut">
               <a:rPr lang="en-US" smtClean="0"/>
-              <a:t>5/27/2016</a:t>
+              <a:t>5/28/2016</a:t>
             </a:fld>
             <a:endParaRPr lang="en-US"/>
           </a:p>
@@ -3854,7 +3861,7 @@
           <a:p>
             <a:fld id="{4DDA537F-60C1-4DB4-85DD-AF6191129DF3}" type="datetimeFigureOut">
               <a:rPr lang="en-US" smtClean="0"/>
-              <a:t>5/27/2016</a:t>
+              <a:t>5/28/2016</a:t>
             </a:fld>
             <a:endParaRPr lang="en-US"/>
           </a:p>
@@ -4296,7 +4303,7 @@
           <a:p>
             <a:fld id="{4DDA537F-60C1-4DB4-85DD-AF6191129DF3}" type="datetimeFigureOut">
               <a:rPr lang="en-US" smtClean="0"/>
-              <a:t>5/27/2016</a:t>
+              <a:t>5/28/2016</a:t>
             </a:fld>
             <a:endParaRPr lang="en-US"/>
           </a:p>
@@ -4414,7 +4421,7 @@
           <a:p>
             <a:fld id="{4DDA537F-60C1-4DB4-85DD-AF6191129DF3}" type="datetimeFigureOut">
               <a:rPr lang="en-US" smtClean="0"/>
-              <a:t>5/27/2016</a:t>
+              <a:t>5/28/2016</a:t>
             </a:fld>
             <a:endParaRPr lang="en-US"/>
           </a:p>
@@ -4509,7 +4516,7 @@
           <a:p>
             <a:fld id="{4DDA537F-60C1-4DB4-85DD-AF6191129DF3}" type="datetimeFigureOut">
               <a:rPr lang="en-US" smtClean="0"/>
-              <a:t>5/27/2016</a:t>
+              <a:t>5/28/2016</a:t>
             </a:fld>
             <a:endParaRPr lang="en-US"/>
           </a:p>
@@ -4792,7 +4799,7 @@
           <a:p>
             <a:fld id="{4DDA537F-60C1-4DB4-85DD-AF6191129DF3}" type="datetimeFigureOut">
               <a:rPr lang="en-US" smtClean="0"/>
-              <a:t>5/27/2016</a:t>
+              <a:t>5/28/2016</a:t>
             </a:fld>
             <a:endParaRPr lang="en-US"/>
           </a:p>
@@ -5083,7 +5090,7 @@
           <a:p>
             <a:fld id="{4DDA537F-60C1-4DB4-85DD-AF6191129DF3}" type="datetimeFigureOut">
               <a:rPr lang="en-US" smtClean="0"/>
-              <a:t>5/27/2016</a:t>
+              <a:t>5/28/2016</a:t>
             </a:fld>
             <a:endParaRPr lang="en-US"/>
           </a:p>
@@ -5613,7 +5620,7 @@
           <a:p>
             <a:fld id="{4DDA537F-60C1-4DB4-85DD-AF6191129DF3}" type="datetimeFigureOut">
               <a:rPr lang="en-US" smtClean="0"/>
-              <a:t>5/27/2016</a:t>
+              <a:t>5/28/2016</a:t>
             </a:fld>
             <a:endParaRPr lang="en-US"/>
           </a:p>
@@ -6697,6 +6704,771 @@
 </p:sld>
 </file>
 
+<file path=ppt/slides/slide14.xml><?xml version="1.0" encoding="utf-8"?>
+<p:sld xmlns:a="http://schemas.openxmlformats.org/drawingml/2006/main" xmlns:r="http://schemas.openxmlformats.org/officeDocument/2006/relationships" xmlns:p="http://schemas.openxmlformats.org/presentationml/2006/main">
+  <p:cSld>
+    <p:spTree>
+      <p:nvGrpSpPr>
+        <p:cNvPr id="1" name=""/>
+        <p:cNvGrpSpPr/>
+        <p:nvPr/>
+      </p:nvGrpSpPr>
+      <p:grpSpPr>
+        <a:xfrm>
+          <a:off x="0" y="0"/>
+          <a:ext cx="0" cy="0"/>
+          <a:chOff x="0" y="0"/>
+          <a:chExt cx="0" cy="0"/>
+        </a:xfrm>
+      </p:grpSpPr>
+      <p:sp>
+        <p:nvSpPr>
+          <p:cNvPr id="2" name="Title 1"/>
+          <p:cNvSpPr>
+            <a:spLocks noGrp="1"/>
+          </p:cNvSpPr>
+          <p:nvPr>
+            <p:ph type="title"/>
+          </p:nvPr>
+        </p:nvSpPr>
+        <p:spPr>
+          <a:xfrm>
+            <a:off x="1484311" y="685800"/>
+            <a:ext cx="10018713" cy="632361"/>
+          </a:xfrm>
+        </p:spPr>
+        <p:txBody>
+          <a:bodyPr>
+            <a:normAutofit fontScale="90000"/>
+          </a:bodyPr>
+          <a:lstStyle/>
+          <a:p>
+            <a:r>
+              <a:rPr lang="es-ES" dirty="0" smtClean="0"/>
+              <a:t>consejos</a:t>
+            </a:r>
+            <a:endParaRPr lang="en-US" dirty="0"/>
+          </a:p>
+        </p:txBody>
+      </p:sp>
+      <p:sp>
+        <p:nvSpPr>
+          <p:cNvPr id="3" name="Content Placeholder 2"/>
+          <p:cNvSpPr>
+            <a:spLocks noGrp="1"/>
+          </p:cNvSpPr>
+          <p:nvPr>
+            <p:ph idx="1"/>
+          </p:nvPr>
+        </p:nvSpPr>
+        <p:spPr>
+          <a:xfrm>
+            <a:off x="1484310" y="1710047"/>
+            <a:ext cx="10018713" cy="4081153"/>
+          </a:xfrm>
+        </p:spPr>
+        <p:txBody>
+          <a:bodyPr/>
+          <a:lstStyle/>
+          <a:p>
+            <a:r>
+              <a:rPr lang="es-ES" dirty="0" smtClean="0"/>
+              <a:t>La lógica de la aplicación en su mayoría es mejor que este en las actividades.</a:t>
+            </a:r>
+          </a:p>
+          <a:p>
+            <a:r>
+              <a:rPr lang="es-ES" dirty="0" smtClean="0"/>
+              <a:t>Los </a:t>
+            </a:r>
+            <a:r>
+              <a:rPr lang="es-ES" dirty="0" err="1" smtClean="0"/>
+              <a:t>fragments</a:t>
+            </a:r>
+            <a:r>
+              <a:rPr lang="es-ES" dirty="0" smtClean="0"/>
+              <a:t> deben lidiar solamente con la interfaz.</a:t>
+            </a:r>
+          </a:p>
+          <a:p>
+            <a:r>
+              <a:rPr lang="es-ES" dirty="0" smtClean="0"/>
+              <a:t>Tratar de evitar abuso de interfaces.</a:t>
+            </a:r>
+          </a:p>
+          <a:p>
+            <a:pPr marL="0" indent="0">
+              <a:buNone/>
+            </a:pPr>
+            <a:endParaRPr lang="en-US" dirty="0"/>
+          </a:p>
+        </p:txBody>
+      </p:sp>
+    </p:spTree>
+    <p:extLst>
+      <p:ext uri="{BB962C8B-B14F-4D97-AF65-F5344CB8AC3E}">
+        <p14:creationId xmlns:p14="http://schemas.microsoft.com/office/powerpoint/2010/main" val="4247496719"/>
+      </p:ext>
+    </p:extLst>
+  </p:cSld>
+  <p:clrMapOvr>
+    <a:masterClrMapping/>
+  </p:clrMapOvr>
+</p:sld>
+</file>
+
+<file path=ppt/slides/slide15.xml><?xml version="1.0" encoding="utf-8"?>
+<p:sld xmlns:a="http://schemas.openxmlformats.org/drawingml/2006/main" xmlns:r="http://schemas.openxmlformats.org/officeDocument/2006/relationships" xmlns:p="http://schemas.openxmlformats.org/presentationml/2006/main">
+  <p:cSld>
+    <p:spTree>
+      <p:nvGrpSpPr>
+        <p:cNvPr id="1" name=""/>
+        <p:cNvGrpSpPr/>
+        <p:nvPr/>
+      </p:nvGrpSpPr>
+      <p:grpSpPr>
+        <a:xfrm>
+          <a:off x="0" y="0"/>
+          <a:ext cx="0" cy="0"/>
+          <a:chOff x="0" y="0"/>
+          <a:chExt cx="0" cy="0"/>
+        </a:xfrm>
+      </p:grpSpPr>
+      <p:sp>
+        <p:nvSpPr>
+          <p:cNvPr id="2" name="Title 1"/>
+          <p:cNvSpPr>
+            <a:spLocks noGrp="1"/>
+          </p:cNvSpPr>
+          <p:nvPr>
+            <p:ph type="title"/>
+          </p:nvPr>
+        </p:nvSpPr>
+        <p:spPr/>
+        <p:txBody>
+          <a:bodyPr/>
+          <a:lstStyle/>
+          <a:p>
+            <a:endParaRPr lang="en-US"/>
+          </a:p>
+        </p:txBody>
+      </p:sp>
+      <p:sp>
+        <p:nvSpPr>
+          <p:cNvPr id="3" name="Content Placeholder 2"/>
+          <p:cNvSpPr>
+            <a:spLocks noGrp="1"/>
+          </p:cNvSpPr>
+          <p:nvPr>
+            <p:ph idx="1"/>
+          </p:nvPr>
+        </p:nvSpPr>
+        <p:spPr/>
+        <p:txBody>
+          <a:bodyPr/>
+          <a:lstStyle/>
+          <a:p>
+            <a:endParaRPr lang="en-US"/>
+          </a:p>
+        </p:txBody>
+      </p:sp>
+      <p:sp>
+        <p:nvSpPr>
+          <p:cNvPr id="4" name="Rectangle 3"/>
+          <p:cNvSpPr/>
+          <p:nvPr/>
+        </p:nvSpPr>
+        <p:spPr>
+          <a:xfrm>
+            <a:off x="1223158" y="1484416"/>
+            <a:ext cx="1235034" cy="1436914"/>
+          </a:xfrm>
+          <a:prstGeom prst="rect">
+            <a:avLst/>
+          </a:prstGeom>
+        </p:spPr>
+        <p:style>
+          <a:lnRef idx="2">
+            <a:schemeClr val="accent2">
+              <a:shade val="50000"/>
+            </a:schemeClr>
+          </a:lnRef>
+          <a:fillRef idx="1">
+            <a:schemeClr val="accent2"/>
+          </a:fillRef>
+          <a:effectRef idx="0">
+            <a:schemeClr val="accent2"/>
+          </a:effectRef>
+          <a:fontRef idx="minor">
+            <a:schemeClr val="lt1"/>
+          </a:fontRef>
+        </p:style>
+        <p:txBody>
+          <a:bodyPr rtlCol="0" anchor="ctr"/>
+          <a:lstStyle/>
+          <a:p>
+            <a:pPr algn="ctr"/>
+            <a:r>
+              <a:rPr lang="es-ES" dirty="0" smtClean="0"/>
+              <a:t>actividad</a:t>
+            </a:r>
+            <a:endParaRPr lang="en-US" dirty="0"/>
+          </a:p>
+        </p:txBody>
+      </p:sp>
+      <p:cxnSp>
+        <p:nvCxnSpPr>
+          <p:cNvPr id="6" name="Straight Arrow Connector 5"/>
+          <p:cNvCxnSpPr/>
+          <p:nvPr/>
+        </p:nvCxnSpPr>
+        <p:spPr>
+          <a:xfrm flipV="1">
+            <a:off x="2553246" y="1615292"/>
+            <a:ext cx="1686245" cy="87084"/>
+          </a:xfrm>
+          <a:prstGeom prst="straightConnector1">
+            <a:avLst/>
+          </a:prstGeom>
+          <a:ln>
+            <a:tailEnd type="triangle"/>
+          </a:ln>
+        </p:spPr>
+        <p:style>
+          <a:lnRef idx="2">
+            <a:schemeClr val="dk1"/>
+          </a:lnRef>
+          <a:fillRef idx="0">
+            <a:schemeClr val="dk1"/>
+          </a:fillRef>
+          <a:effectRef idx="1">
+            <a:schemeClr val="dk1"/>
+          </a:effectRef>
+          <a:fontRef idx="minor">
+            <a:schemeClr val="tx1"/>
+          </a:fontRef>
+        </p:style>
+      </p:cxnSp>
+      <p:cxnSp>
+        <p:nvCxnSpPr>
+          <p:cNvPr id="8" name="Straight Arrow Connector 7"/>
+          <p:cNvCxnSpPr/>
+          <p:nvPr/>
+        </p:nvCxnSpPr>
+        <p:spPr>
+          <a:xfrm>
+            <a:off x="2612571" y="2466355"/>
+            <a:ext cx="1793174" cy="668731"/>
+          </a:xfrm>
+          <a:prstGeom prst="straightConnector1">
+            <a:avLst/>
+          </a:prstGeom>
+          <a:ln>
+            <a:tailEnd type="triangle"/>
+          </a:ln>
+        </p:spPr>
+        <p:style>
+          <a:lnRef idx="2">
+            <a:schemeClr val="dk1"/>
+          </a:lnRef>
+          <a:fillRef idx="0">
+            <a:schemeClr val="dk1"/>
+          </a:fillRef>
+          <a:effectRef idx="1">
+            <a:schemeClr val="dk1"/>
+          </a:effectRef>
+          <a:fontRef idx="minor">
+            <a:schemeClr val="tx1"/>
+          </a:fontRef>
+        </p:style>
+      </p:cxnSp>
+      <p:cxnSp>
+        <p:nvCxnSpPr>
+          <p:cNvPr id="9" name="Straight Arrow Connector 8"/>
+          <p:cNvCxnSpPr/>
+          <p:nvPr/>
+        </p:nvCxnSpPr>
+        <p:spPr>
+          <a:xfrm>
+            <a:off x="1840675" y="3223901"/>
+            <a:ext cx="1698171" cy="563089"/>
+          </a:xfrm>
+          <a:prstGeom prst="straightConnector1">
+            <a:avLst/>
+          </a:prstGeom>
+          <a:ln>
+            <a:tailEnd type="triangle"/>
+          </a:ln>
+        </p:spPr>
+        <p:style>
+          <a:lnRef idx="2">
+            <a:schemeClr val="dk1"/>
+          </a:lnRef>
+          <a:fillRef idx="0">
+            <a:schemeClr val="dk1"/>
+          </a:fillRef>
+          <a:effectRef idx="1">
+            <a:schemeClr val="dk1"/>
+          </a:effectRef>
+          <a:fontRef idx="minor">
+            <a:schemeClr val="tx1"/>
+          </a:fontRef>
+        </p:style>
+      </p:cxnSp>
+      <p:sp>
+        <p:nvSpPr>
+          <p:cNvPr id="11" name="Rectangle 10"/>
+          <p:cNvSpPr/>
+          <p:nvPr/>
+        </p:nvSpPr>
+        <p:spPr>
+          <a:xfrm>
+            <a:off x="4393870" y="1044103"/>
+            <a:ext cx="1128261" cy="981939"/>
+          </a:xfrm>
+          <a:prstGeom prst="rect">
+            <a:avLst/>
+          </a:prstGeom>
+        </p:spPr>
+        <p:style>
+          <a:lnRef idx="2">
+            <a:schemeClr val="accent1">
+              <a:shade val="50000"/>
+            </a:schemeClr>
+          </a:lnRef>
+          <a:fillRef idx="1">
+            <a:schemeClr val="accent1"/>
+          </a:fillRef>
+          <a:effectRef idx="0">
+            <a:schemeClr val="accent1"/>
+          </a:effectRef>
+          <a:fontRef idx="minor">
+            <a:schemeClr val="lt1"/>
+          </a:fontRef>
+        </p:style>
+        <p:txBody>
+          <a:bodyPr rtlCol="0" anchor="ctr"/>
+          <a:lstStyle/>
+          <a:p>
+            <a:pPr algn="ctr"/>
+            <a:r>
+              <a:rPr lang="es-ES" dirty="0" err="1" smtClean="0"/>
+              <a:t>fragment</a:t>
+            </a:r>
+            <a:endParaRPr lang="en-US" dirty="0"/>
+          </a:p>
+        </p:txBody>
+      </p:sp>
+      <p:sp>
+        <p:nvSpPr>
+          <p:cNvPr id="12" name="Rectangle 11"/>
+          <p:cNvSpPr/>
+          <p:nvPr/>
+        </p:nvSpPr>
+        <p:spPr>
+          <a:xfrm>
+            <a:off x="3164772" y="3910818"/>
+            <a:ext cx="1086594" cy="981939"/>
+          </a:xfrm>
+          <a:prstGeom prst="rect">
+            <a:avLst/>
+          </a:prstGeom>
+        </p:spPr>
+        <p:style>
+          <a:lnRef idx="2">
+            <a:schemeClr val="accent1">
+              <a:shade val="50000"/>
+            </a:schemeClr>
+          </a:lnRef>
+          <a:fillRef idx="1">
+            <a:schemeClr val="accent1"/>
+          </a:fillRef>
+          <a:effectRef idx="0">
+            <a:schemeClr val="accent1"/>
+          </a:effectRef>
+          <a:fontRef idx="minor">
+            <a:schemeClr val="lt1"/>
+          </a:fontRef>
+        </p:style>
+        <p:txBody>
+          <a:bodyPr rtlCol="0" anchor="ctr"/>
+          <a:lstStyle/>
+          <a:p>
+            <a:pPr algn="ctr"/>
+            <a:r>
+              <a:rPr lang="es-ES" dirty="0" err="1" smtClean="0"/>
+              <a:t>fragment</a:t>
+            </a:r>
+            <a:endParaRPr lang="en-US" dirty="0"/>
+          </a:p>
+        </p:txBody>
+      </p:sp>
+      <p:sp>
+        <p:nvSpPr>
+          <p:cNvPr id="13" name="Rectangle 12"/>
+          <p:cNvSpPr/>
+          <p:nvPr/>
+        </p:nvSpPr>
+        <p:spPr>
+          <a:xfrm>
+            <a:off x="4405744" y="3078801"/>
+            <a:ext cx="1128262" cy="981939"/>
+          </a:xfrm>
+          <a:prstGeom prst="rect">
+            <a:avLst/>
+          </a:prstGeom>
+        </p:spPr>
+        <p:style>
+          <a:lnRef idx="2">
+            <a:schemeClr val="accent1">
+              <a:shade val="50000"/>
+            </a:schemeClr>
+          </a:lnRef>
+          <a:fillRef idx="1">
+            <a:schemeClr val="accent1"/>
+          </a:fillRef>
+          <a:effectRef idx="0">
+            <a:schemeClr val="accent1"/>
+          </a:effectRef>
+          <a:fontRef idx="minor">
+            <a:schemeClr val="lt1"/>
+          </a:fontRef>
+        </p:style>
+        <p:txBody>
+          <a:bodyPr rtlCol="0" anchor="ctr"/>
+          <a:lstStyle/>
+          <a:p>
+            <a:pPr algn="ctr"/>
+            <a:r>
+              <a:rPr lang="es-ES" dirty="0" err="1" smtClean="0"/>
+              <a:t>fragment</a:t>
+            </a:r>
+            <a:endParaRPr lang="en-US" dirty="0"/>
+          </a:p>
+        </p:txBody>
+      </p:sp>
+      <p:sp>
+        <p:nvSpPr>
+          <p:cNvPr id="14" name="Rectangle 13"/>
+          <p:cNvSpPr/>
+          <p:nvPr/>
+        </p:nvSpPr>
+        <p:spPr>
+          <a:xfrm>
+            <a:off x="6697787" y="1484416"/>
+            <a:ext cx="1235034" cy="1436914"/>
+          </a:xfrm>
+          <a:prstGeom prst="rect">
+            <a:avLst/>
+          </a:prstGeom>
+        </p:spPr>
+        <p:style>
+          <a:lnRef idx="2">
+            <a:schemeClr val="accent2">
+              <a:shade val="50000"/>
+            </a:schemeClr>
+          </a:lnRef>
+          <a:fillRef idx="1">
+            <a:schemeClr val="accent2"/>
+          </a:fillRef>
+          <a:effectRef idx="0">
+            <a:schemeClr val="accent2"/>
+          </a:effectRef>
+          <a:fontRef idx="minor">
+            <a:schemeClr val="lt1"/>
+          </a:fontRef>
+        </p:style>
+        <p:txBody>
+          <a:bodyPr rtlCol="0" anchor="ctr"/>
+          <a:lstStyle/>
+          <a:p>
+            <a:pPr algn="ctr"/>
+            <a:r>
+              <a:rPr lang="es-ES" dirty="0" smtClean="0"/>
+              <a:t>actividad</a:t>
+            </a:r>
+            <a:endParaRPr lang="en-US" dirty="0"/>
+          </a:p>
+        </p:txBody>
+      </p:sp>
+      <p:cxnSp>
+        <p:nvCxnSpPr>
+          <p:cNvPr id="15" name="Straight Arrow Connector 14"/>
+          <p:cNvCxnSpPr/>
+          <p:nvPr/>
+        </p:nvCxnSpPr>
+        <p:spPr>
+          <a:xfrm>
+            <a:off x="8158452" y="1834242"/>
+            <a:ext cx="1710047" cy="172688"/>
+          </a:xfrm>
+          <a:prstGeom prst="straightConnector1">
+            <a:avLst/>
+          </a:prstGeom>
+          <a:ln>
+            <a:tailEnd type="triangle"/>
+          </a:ln>
+        </p:spPr>
+        <p:style>
+          <a:lnRef idx="2">
+            <a:schemeClr val="dk1"/>
+          </a:lnRef>
+          <a:fillRef idx="0">
+            <a:schemeClr val="dk1"/>
+          </a:fillRef>
+          <a:effectRef idx="1">
+            <a:schemeClr val="dk1"/>
+          </a:effectRef>
+          <a:fontRef idx="minor">
+            <a:schemeClr val="tx1"/>
+          </a:fontRef>
+        </p:style>
+      </p:cxnSp>
+      <p:cxnSp>
+        <p:nvCxnSpPr>
+          <p:cNvPr id="16" name="Straight Arrow Connector 15"/>
+          <p:cNvCxnSpPr/>
+          <p:nvPr/>
+        </p:nvCxnSpPr>
+        <p:spPr>
+          <a:xfrm>
+            <a:off x="8087200" y="2466355"/>
+            <a:ext cx="1793174" cy="668731"/>
+          </a:xfrm>
+          <a:prstGeom prst="straightConnector1">
+            <a:avLst/>
+          </a:prstGeom>
+          <a:ln>
+            <a:tailEnd type="triangle"/>
+          </a:ln>
+        </p:spPr>
+        <p:style>
+          <a:lnRef idx="2">
+            <a:schemeClr val="dk1"/>
+          </a:lnRef>
+          <a:fillRef idx="0">
+            <a:schemeClr val="dk1"/>
+          </a:fillRef>
+          <a:effectRef idx="1">
+            <a:schemeClr val="dk1"/>
+          </a:effectRef>
+          <a:fontRef idx="minor">
+            <a:schemeClr val="tx1"/>
+          </a:fontRef>
+        </p:style>
+      </p:cxnSp>
+      <p:cxnSp>
+        <p:nvCxnSpPr>
+          <p:cNvPr id="17" name="Straight Arrow Connector 16"/>
+          <p:cNvCxnSpPr/>
+          <p:nvPr/>
+        </p:nvCxnSpPr>
+        <p:spPr>
+          <a:xfrm>
+            <a:off x="7315304" y="3223901"/>
+            <a:ext cx="1698171" cy="563089"/>
+          </a:xfrm>
+          <a:prstGeom prst="straightConnector1">
+            <a:avLst/>
+          </a:prstGeom>
+          <a:ln>
+            <a:tailEnd type="triangle"/>
+          </a:ln>
+        </p:spPr>
+        <p:style>
+          <a:lnRef idx="2">
+            <a:schemeClr val="dk1"/>
+          </a:lnRef>
+          <a:fillRef idx="0">
+            <a:schemeClr val="dk1"/>
+          </a:fillRef>
+          <a:effectRef idx="1">
+            <a:schemeClr val="dk1"/>
+          </a:effectRef>
+          <a:fontRef idx="minor">
+            <a:schemeClr val="tx1"/>
+          </a:fontRef>
+        </p:style>
+      </p:cxnSp>
+      <p:sp>
+        <p:nvSpPr>
+          <p:cNvPr id="18" name="Rectangle 17"/>
+          <p:cNvSpPr/>
+          <p:nvPr/>
+        </p:nvSpPr>
+        <p:spPr>
+          <a:xfrm>
+            <a:off x="9880374" y="1484416"/>
+            <a:ext cx="1128261" cy="981939"/>
+          </a:xfrm>
+          <a:prstGeom prst="rect">
+            <a:avLst/>
+          </a:prstGeom>
+        </p:spPr>
+        <p:style>
+          <a:lnRef idx="2">
+            <a:schemeClr val="accent1">
+              <a:shade val="50000"/>
+            </a:schemeClr>
+          </a:lnRef>
+          <a:fillRef idx="1">
+            <a:schemeClr val="accent1"/>
+          </a:fillRef>
+          <a:effectRef idx="0">
+            <a:schemeClr val="accent1"/>
+          </a:effectRef>
+          <a:fontRef idx="minor">
+            <a:schemeClr val="lt1"/>
+          </a:fontRef>
+        </p:style>
+        <p:txBody>
+          <a:bodyPr rtlCol="0" anchor="ctr"/>
+          <a:lstStyle/>
+          <a:p>
+            <a:pPr algn="ctr"/>
+            <a:r>
+              <a:rPr lang="es-ES" dirty="0" err="1" smtClean="0"/>
+              <a:t>fragment</a:t>
+            </a:r>
+            <a:endParaRPr lang="en-US" dirty="0"/>
+          </a:p>
+        </p:txBody>
+      </p:sp>
+      <p:sp>
+        <p:nvSpPr>
+          <p:cNvPr id="19" name="Rectangle 18"/>
+          <p:cNvSpPr/>
+          <p:nvPr/>
+        </p:nvSpPr>
+        <p:spPr>
+          <a:xfrm>
+            <a:off x="8639401" y="3910818"/>
+            <a:ext cx="1086594" cy="981939"/>
+          </a:xfrm>
+          <a:prstGeom prst="rect">
+            <a:avLst/>
+          </a:prstGeom>
+        </p:spPr>
+        <p:style>
+          <a:lnRef idx="2">
+            <a:schemeClr val="accent1">
+              <a:shade val="50000"/>
+            </a:schemeClr>
+          </a:lnRef>
+          <a:fillRef idx="1">
+            <a:schemeClr val="accent1"/>
+          </a:fillRef>
+          <a:effectRef idx="0">
+            <a:schemeClr val="accent1"/>
+          </a:effectRef>
+          <a:fontRef idx="minor">
+            <a:schemeClr val="lt1"/>
+          </a:fontRef>
+        </p:style>
+        <p:txBody>
+          <a:bodyPr rtlCol="0" anchor="ctr"/>
+          <a:lstStyle/>
+          <a:p>
+            <a:pPr algn="ctr"/>
+            <a:r>
+              <a:rPr lang="es-ES" dirty="0" err="1" smtClean="0"/>
+              <a:t>fragment</a:t>
+            </a:r>
+            <a:endParaRPr lang="en-US" dirty="0"/>
+          </a:p>
+        </p:txBody>
+      </p:sp>
+      <p:sp>
+        <p:nvSpPr>
+          <p:cNvPr id="20" name="Rectangle 19"/>
+          <p:cNvSpPr/>
+          <p:nvPr/>
+        </p:nvSpPr>
+        <p:spPr>
+          <a:xfrm>
+            <a:off x="9880373" y="3078801"/>
+            <a:ext cx="1128262" cy="981939"/>
+          </a:xfrm>
+          <a:prstGeom prst="rect">
+            <a:avLst/>
+          </a:prstGeom>
+        </p:spPr>
+        <p:style>
+          <a:lnRef idx="2">
+            <a:schemeClr val="accent1">
+              <a:shade val="50000"/>
+            </a:schemeClr>
+          </a:lnRef>
+          <a:fillRef idx="1">
+            <a:schemeClr val="accent1"/>
+          </a:fillRef>
+          <a:effectRef idx="0">
+            <a:schemeClr val="accent1"/>
+          </a:effectRef>
+          <a:fontRef idx="minor">
+            <a:schemeClr val="lt1"/>
+          </a:fontRef>
+        </p:style>
+        <p:txBody>
+          <a:bodyPr rtlCol="0" anchor="ctr"/>
+          <a:lstStyle/>
+          <a:p>
+            <a:pPr algn="ctr"/>
+            <a:r>
+              <a:rPr lang="es-ES" dirty="0" err="1" smtClean="0"/>
+              <a:t>fragment</a:t>
+            </a:r>
+            <a:endParaRPr lang="en-US" dirty="0"/>
+          </a:p>
+        </p:txBody>
+      </p:sp>
+      <p:cxnSp>
+        <p:nvCxnSpPr>
+          <p:cNvPr id="22" name="Elbow Connector 21"/>
+          <p:cNvCxnSpPr/>
+          <p:nvPr/>
+        </p:nvCxnSpPr>
+        <p:spPr>
+          <a:xfrm>
+            <a:off x="2612571" y="2292927"/>
+            <a:ext cx="3788333" cy="485899"/>
+          </a:xfrm>
+          <a:prstGeom prst="bentConnector3">
+            <a:avLst/>
+          </a:prstGeom>
+          <a:ln>
+            <a:headEnd type="triangle"/>
+            <a:tailEnd type="triangle"/>
+          </a:ln>
+        </p:spPr>
+        <p:style>
+          <a:lnRef idx="2">
+            <a:schemeClr val="accent4"/>
+          </a:lnRef>
+          <a:fillRef idx="0">
+            <a:schemeClr val="accent4"/>
+          </a:fillRef>
+          <a:effectRef idx="1">
+            <a:schemeClr val="accent4"/>
+          </a:effectRef>
+          <a:fontRef idx="minor">
+            <a:schemeClr val="tx1"/>
+          </a:fontRef>
+        </p:style>
+      </p:cxnSp>
+    </p:spTree>
+    <p:extLst>
+      <p:ext uri="{BB962C8B-B14F-4D97-AF65-F5344CB8AC3E}">
+        <p14:creationId xmlns:p14="http://schemas.microsoft.com/office/powerpoint/2010/main" val="3521951"/>
+      </p:ext>
+    </p:extLst>
+  </p:cSld>
+  <p:clrMapOvr>
+    <a:masterClrMapping/>
+  </p:clrMapOvr>
+</p:sld>
+</file>
+
 <file path=ppt/slides/slide2.xml><?xml version="1.0" encoding="utf-8"?>
 <p:sld xmlns:a="http://schemas.openxmlformats.org/drawingml/2006/main" xmlns:r="http://schemas.openxmlformats.org/officeDocument/2006/relationships" xmlns:p="http://schemas.openxmlformats.org/presentationml/2006/main">
   <p:cSld>

--- a/clase2/comunicacion.pptx
+++ b/clase2/comunicacion.pptx
@@ -6814,6 +6814,13 @@
   <p:clrMapOvr>
     <a:masterClrMapping/>
   </p:clrMapOvr>
+  <p:timing>
+    <p:tnLst>
+      <p:par>
+        <p:cTn id="1" dur="indefinite" restart="never" nodeType="tmRoot"/>
+      </p:par>
+    </p:tnLst>
+  </p:timing>
 </p:sld>
 </file>
 
@@ -7067,7 +7074,7 @@
         </p:nvSpPr>
         <p:spPr>
           <a:xfrm>
-            <a:off x="3164772" y="3910818"/>
+            <a:off x="3152897" y="3910818"/>
             <a:ext cx="1086594" cy="981939"/>
           </a:xfrm>
           <a:prstGeom prst="rect">
@@ -7466,6 +7473,13 @@
   <p:clrMapOvr>
     <a:masterClrMapping/>
   </p:clrMapOvr>
+  <p:timing>
+    <p:tnLst>
+      <p:par>
+        <p:cTn id="1" dur="indefinite" restart="never" nodeType="tmRoot"/>
+      </p:par>
+    </p:tnLst>
+  </p:timing>
 </p:sld>
 </file>
 
